--- a/Power Point Slides/Svelte vs React.pptx
+++ b/Power Point Slides/Svelte vs React.pptx
@@ -5,10 +5,10 @@
     <p:sldMasterId id="2147483648" r:id="rId4"/>
   </p:sldMasterIdLst>
   <p:notesMasterIdLst>
-    <p:notesMasterId r:id="rId13"/>
+    <p:notesMasterId r:id="rId14"/>
   </p:notesMasterIdLst>
   <p:handoutMasterIdLst>
-    <p:handoutMasterId r:id="rId14"/>
+    <p:handoutMasterId r:id="rId15"/>
   </p:handoutMasterIdLst>
   <p:sldIdLst>
     <p:sldId id="4215" r:id="rId5"/>
@@ -18,7 +18,8 @@
     <p:sldId id="4221" r:id="rId9"/>
     <p:sldId id="4222" r:id="rId10"/>
     <p:sldId id="4223" r:id="rId11"/>
-    <p:sldId id="4207" r:id="rId12"/>
+    <p:sldId id="4224" r:id="rId12"/>
+    <p:sldId id="4207" r:id="rId13"/>
   </p:sldIdLst>
   <p:sldSz cx="12192000" cy="6858000"/>
   <p:notesSz cx="6858000" cy="9144000"/>
@@ -243,7 +244,7 @@
             <a:fld id="{5E46B522-554D-304C-B062-B3D14C953F88}" type="datetimeFigureOut">
               <a:rPr lang="en-US" smtClean="0"/>
               <a:pPr/>
-              <a:t>10/16/2024</a:t>
+              <a:t>10/31/2024</a:t>
             </a:fld>
             <a:endParaRPr lang="en-US"/>
           </a:p>
@@ -422,7 +423,7 @@
             <a:fld id="{5BA413F0-8702-4C58-A1DC-FE228FE832D3}" type="datetimeFigureOut">
               <a:rPr lang="en-US" smtClean="0"/>
               <a:pPr/>
-              <a:t>10/16/2024</a:t>
+              <a:t>10/31/2024</a:t>
             </a:fld>
             <a:endParaRPr lang="en-US"/>
           </a:p>
@@ -3722,7 +3723,7 @@
             <a:fld id="{FBF4D725-7178-D948-AA3E-6F5F17353337}" type="datetimeFigureOut">
               <a:rPr lang="en-US" smtClean="0"/>
               <a:pPr/>
-              <a:t>10/16/2024</a:t>
+              <a:t>10/31/2024</a:t>
             </a:fld>
             <a:endParaRPr lang="en-US"/>
           </a:p>
@@ -4302,21 +4303,13 @@
         </p:spPr>
         <p:txBody>
           <a:bodyPr>
-            <a:normAutofit fontScale="92500" lnSpcReduction="20000"/>
+            <a:normAutofit fontScale="70000" lnSpcReduction="20000"/>
           </a:bodyPr>
           <a:lstStyle/>
           <a:p>
             <a:r>
               <a:rPr lang="en-US" dirty="0" smtClean="0"/>
-              <a:t>What is </a:t>
-            </a:r>
-            <a:r>
-              <a:rPr lang="en-US" dirty="0" smtClean="0"/>
-              <a:t>Svelte</a:t>
-            </a:r>
-            <a:r>
-              <a:rPr lang="en-US" dirty="0" smtClean="0"/>
-              <a:t>?</a:t>
+              <a:t>What is Svelte?</a:t>
             </a:r>
             <a:endParaRPr lang="en-US" dirty="0"/>
           </a:p>
@@ -4330,26 +4323,13 @@
           <a:p>
             <a:r>
               <a:rPr lang="en-US" dirty="0" smtClean="0"/>
-              <a:t>What </a:t>
+              <a:t>What is React?</a:t>
             </a:r>
+          </a:p>
+          <a:p>
             <a:r>
               <a:rPr lang="en-US" dirty="0" smtClean="0"/>
-              <a:t>is </a:t>
-            </a:r>
-            <a:r>
-              <a:rPr lang="en-US" dirty="0" smtClean="0"/>
-              <a:t>React?</a:t>
-            </a:r>
-            <a:endParaRPr lang="en-US" dirty="0" smtClean="0"/>
-          </a:p>
-          <a:p>
-            <a:r>
-              <a:rPr lang="en-US" dirty="0" smtClean="0"/>
-              <a:t>React Advantages </a:t>
-            </a:r>
-            <a:r>
-              <a:rPr lang="en-US" dirty="0" smtClean="0"/>
-              <a:t>and Disadvantages</a:t>
+              <a:t>React Advantages and Disadvantages</a:t>
             </a:r>
           </a:p>
           <a:p>
@@ -4365,7 +4345,12 @@
               <a:rPr lang="en-US" dirty="0" smtClean="0"/>
               <a:t> React</a:t>
             </a:r>
-            <a:endParaRPr lang="en-US" dirty="0" smtClean="0"/>
+          </a:p>
+          <a:p>
+            <a:r>
+              <a:rPr lang="en-US" dirty="0" smtClean="0"/>
+              <a:t>How can we benefit from Svelte?</a:t>
+            </a:r>
           </a:p>
           <a:p>
             <a:r>
@@ -4439,15 +4424,7 @@
           <a:p>
             <a:r>
               <a:rPr lang="en-US" dirty="0" smtClean="0"/>
-              <a:t>What is </a:t>
-            </a:r>
-            <a:r>
-              <a:rPr lang="en-US" dirty="0" smtClean="0"/>
-              <a:t>Svelte?</a:t>
-            </a:r>
-            <a:r>
-              <a:rPr lang="en-US" dirty="0" smtClean="0"/>
-              <a:t/>
+              <a:t>What is Svelte?</a:t>
             </a:r>
             <a:br>
               <a:rPr lang="en-US" dirty="0" smtClean="0"/>
@@ -4682,35 +4659,15 @@
             </a:r>
             <a:r>
               <a:rPr lang="en-US" dirty="0" smtClean="0"/>
-              <a:t> is a modern front-end framework used for building user interfaces, especially single-page applications (SPAs</a:t>
+              <a:t> is a modern front-end framework used for building user interfaces, especially single-page applications (SPAs).  Svelte takes a unique approach by </a:t>
+            </a:r>
+            <a:r>
+              <a:rPr lang="en-US" b="1" dirty="0" smtClean="0"/>
+              <a:t>compiling components to highly optimized vanilla JavaScript</a:t>
             </a:r>
             <a:r>
               <a:rPr lang="en-US" dirty="0" smtClean="0"/>
-              <a:t>).  Svelte takes a </a:t>
-            </a:r>
-            <a:r>
-              <a:rPr lang="en-US" dirty="0" smtClean="0"/>
-              <a:t>unique approach </a:t>
-            </a:r>
-            <a:r>
-              <a:rPr lang="en-US" dirty="0" smtClean="0"/>
-              <a:t>by </a:t>
-            </a:r>
-            <a:r>
-              <a:rPr lang="en-US" b="1" dirty="0" smtClean="0"/>
-              <a:t>compiling </a:t>
-            </a:r>
-            <a:r>
-              <a:rPr lang="en-US" b="1" dirty="0" smtClean="0"/>
-              <a:t>components to highly optimized vanilla JavaScript</a:t>
-            </a:r>
-            <a:r>
-              <a:rPr lang="en-US" dirty="0" smtClean="0"/>
-              <a:t> during build time, rather than relying on a virtual DOM or runtime to manage updates in the </a:t>
-            </a:r>
-            <a:r>
-              <a:rPr lang="en-US" dirty="0" smtClean="0"/>
-              <a:t>browser like traditional method utilize by React, </a:t>
+              <a:t> during build time, rather than relying on a virtual DOM or runtime to manage updates in the browser like traditional method utilize by React, </a:t>
             </a:r>
             <a:r>
               <a:rPr lang="en-US" dirty="0" err="1" smtClean="0"/>
@@ -5293,15 +5250,7 @@
           <a:p>
             <a:r>
               <a:rPr lang="en-US" dirty="0" smtClean="0"/>
-              <a:t>What is </a:t>
-            </a:r>
-            <a:r>
-              <a:rPr lang="en-US" dirty="0" smtClean="0"/>
-              <a:t>React?</a:t>
-            </a:r>
-            <a:r>
-              <a:rPr lang="en-US" dirty="0" smtClean="0"/>
-              <a:t/>
+              <a:t>What is React?</a:t>
             </a:r>
             <a:br>
               <a:rPr lang="en-US" dirty="0" smtClean="0"/>
@@ -5536,19 +5485,7 @@
             </a:r>
             <a:r>
               <a:rPr lang="en-US" dirty="0" smtClean="0"/>
-              <a:t> is a popular, </a:t>
-            </a:r>
-            <a:r>
-              <a:rPr lang="en-US" dirty="0" smtClean="0"/>
-              <a:t>also an open-source </a:t>
-            </a:r>
-            <a:r>
-              <a:rPr lang="en-US" dirty="0" smtClean="0"/>
-              <a:t>JavaScript library </a:t>
-            </a:r>
-            <a:r>
-              <a:rPr lang="en-US" dirty="0" smtClean="0"/>
-              <a:t>front end </a:t>
+              <a:t> is a popular, also an open-source JavaScript library front end </a:t>
             </a:r>
             <a:r>
               <a:rPr lang="en-US" dirty="0" err="1" smtClean="0"/>
@@ -5556,11 +5493,7 @@
             </a:r>
             <a:r>
               <a:rPr lang="en-US" dirty="0" smtClean="0"/>
-              <a:t> framework, </a:t>
-            </a:r>
-            <a:r>
-              <a:rPr lang="en-US" dirty="0" smtClean="0"/>
-              <a:t>particularly for </a:t>
+              <a:t> framework, particularly for </a:t>
             </a:r>
             <a:r>
               <a:rPr lang="en-US" b="1" dirty="0" smtClean="0"/>
@@ -5568,39 +5501,7 @@
             </a:r>
             <a:r>
               <a:rPr lang="en-US" dirty="0" smtClean="0"/>
-              <a:t>. </a:t>
-            </a:r>
-            <a:r>
-              <a:rPr lang="en-US" dirty="0" smtClean="0"/>
-              <a:t>React </a:t>
-            </a:r>
-            <a:r>
-              <a:rPr lang="en-US" dirty="0" smtClean="0"/>
-              <a:t>allows </a:t>
-            </a:r>
-            <a:r>
-              <a:rPr lang="en-US" dirty="0" smtClean="0"/>
-              <a:t>dynamic </a:t>
-            </a:r>
-            <a:r>
-              <a:rPr lang="en-US" dirty="0" smtClean="0"/>
-              <a:t>web applications that can update and render efficiently in response to changing data, without requiring a full page </a:t>
-            </a:r>
-            <a:r>
-              <a:rPr lang="en-US" dirty="0" smtClean="0"/>
-              <a:t>reload similar </a:t>
-            </a:r>
-            <a:r>
-              <a:rPr lang="en-US" dirty="0" smtClean="0"/>
-              <a:t>to Svelte. </a:t>
-            </a:r>
-            <a:r>
-              <a:rPr lang="en-US" dirty="0" smtClean="0"/>
-              <a:t>Developed </a:t>
-            </a:r>
-            <a:r>
-              <a:rPr lang="en-US" dirty="0" smtClean="0"/>
-              <a:t>by </a:t>
+              <a:t>. React allows dynamic web applications that can update and render efficiently in response to changing data, without requiring a full page reload similar to Svelte. Developed by </a:t>
             </a:r>
             <a:r>
               <a:rPr lang="en-US" b="1" dirty="0" err="1" smtClean="0"/>
@@ -5608,15 +5509,7 @@
             </a:r>
             <a:r>
               <a:rPr lang="en-US" dirty="0" smtClean="0"/>
-              <a:t> </a:t>
-            </a:r>
-            <a:r>
-              <a:rPr lang="en-US" dirty="0" smtClean="0"/>
-              <a:t>and </a:t>
-            </a:r>
-            <a:r>
-              <a:rPr lang="en-US" dirty="0" smtClean="0"/>
-              <a:t>released in 2013.</a:t>
+              <a:t> and released in 2013.</a:t>
             </a:r>
             <a:endParaRPr lang="en-US" dirty="0"/>
           </a:p>
@@ -6686,6 +6579,295 @@
 </file>
 
 <file path=ppt/slides/slide8.xml><?xml version="1.0" encoding="utf-8"?>
+<p:sld xmlns:a="http://schemas.openxmlformats.org/drawingml/2006/main" xmlns:r="http://schemas.openxmlformats.org/officeDocument/2006/relationships" xmlns:p="http://schemas.openxmlformats.org/presentationml/2006/main">
+  <p:cSld>
+    <p:spTree>
+      <p:nvGrpSpPr>
+        <p:cNvPr id="1" name=""/>
+        <p:cNvGrpSpPr/>
+        <p:nvPr/>
+      </p:nvGrpSpPr>
+      <p:grpSpPr>
+        <a:xfrm>
+          <a:off x="0" y="0"/>
+          <a:ext cx="0" cy="0"/>
+          <a:chOff x="0" y="0"/>
+          <a:chExt cx="0" cy="0"/>
+        </a:xfrm>
+      </p:grpSpPr>
+      <p:sp>
+        <p:nvSpPr>
+          <p:cNvPr id="4" name="TextBox 3">
+            <a:extLst>
+              <a:ext uri="{FF2B5EF4-FFF2-40B4-BE49-F238E27FC236}">
+                <a16:creationId xmlns="" xmlns:a16="http://schemas.microsoft.com/office/drawing/2014/main" id="{221FA16E-AAC8-1A73-CCDA-27D1070D6804}"/>
+              </a:ext>
+            </a:extLst>
+          </p:cNvPr>
+          <p:cNvSpPr txBox="1"/>
+          <p:nvPr/>
+        </p:nvSpPr>
+        <p:spPr>
+          <a:xfrm>
+            <a:off x="9958274" y="6338973"/>
+            <a:ext cx="1881605" cy="369332"/>
+          </a:xfrm>
+          <a:prstGeom prst="rect">
+            <a:avLst/>
+          </a:prstGeom>
+          <a:noFill/>
+        </p:spPr>
+        <p:txBody>
+          <a:bodyPr wrap="none" rtlCol="0">
+            <a:spAutoFit/>
+          </a:bodyPr>
+          <a:lstStyle/>
+          <a:p>
+            <a:r>
+              <a:rPr lang="en-US" i="1" dirty="0">
+                <a:solidFill>
+                  <a:schemeClr val="tx1">
+                    <a:lumMod val="50000"/>
+                  </a:schemeClr>
+                </a:solidFill>
+              </a:rPr>
+              <a:t>Mesa Confidential</a:t>
+            </a:r>
+          </a:p>
+        </p:txBody>
+      </p:sp>
+      <p:sp>
+        <p:nvSpPr>
+          <p:cNvPr id="5" name="Title 4"/>
+          <p:cNvSpPr>
+            <a:spLocks noGrp="1"/>
+          </p:cNvSpPr>
+          <p:nvPr>
+            <p:ph type="title"/>
+          </p:nvPr>
+        </p:nvSpPr>
+        <p:spPr/>
+        <p:txBody>
+          <a:bodyPr/>
+          <a:lstStyle/>
+          <a:p>
+            <a:r>
+              <a:rPr lang="en-US" sz="3200" dirty="0" smtClean="0"/>
+              <a:t>How can we benefit from Svelte?</a:t>
+            </a:r>
+          </a:p>
+        </p:txBody>
+      </p:sp>
+      <p:sp>
+        <p:nvSpPr>
+          <p:cNvPr id="6" name="Rectangle 5"/>
+          <p:cNvSpPr/>
+          <p:nvPr/>
+        </p:nvSpPr>
+        <p:spPr>
+          <a:xfrm>
+            <a:off x="793631" y="1299713"/>
+            <a:ext cx="9982200" cy="705258"/>
+          </a:xfrm>
+          <a:prstGeom prst="rect">
+            <a:avLst/>
+          </a:prstGeom>
+        </p:spPr>
+        <p:txBody>
+          <a:bodyPr wrap="square">
+            <a:spAutoFit/>
+          </a:bodyPr>
+          <a:lstStyle/>
+          <a:p>
+            <a:pPr marL="800100" lvl="1" indent="-342900">
+              <a:lnSpc>
+                <a:spcPct val="150000"/>
+              </a:lnSpc>
+              <a:buFont typeface="+mj-lt"/>
+              <a:buAutoNum type="arabicPeriod"/>
+            </a:pPr>
+            <a:endParaRPr lang="en-US" sz="1400" dirty="0" smtClean="0"/>
+          </a:p>
+          <a:p>
+            <a:pPr marL="800100" lvl="1" indent="-342900">
+              <a:lnSpc>
+                <a:spcPct val="150000"/>
+              </a:lnSpc>
+              <a:buFont typeface="+mj-lt"/>
+              <a:buAutoNum type="arabicPeriod"/>
+            </a:pPr>
+            <a:endParaRPr lang="en-US" sz="1400" dirty="0"/>
+          </a:p>
+        </p:txBody>
+      </p:sp>
+      <p:graphicFrame>
+        <p:nvGraphicFramePr>
+          <p:cNvPr id="7" name="Table 6"/>
+          <p:cNvGraphicFramePr>
+            <a:graphicFrameLocks noGrp="1"/>
+          </p:cNvGraphicFramePr>
+          <p:nvPr/>
+        </p:nvGraphicFramePr>
+        <p:xfrm>
+          <a:off x="1024466" y="1346198"/>
+          <a:ext cx="10126133" cy="4131735"/>
+        </p:xfrm>
+        <a:graphic>
+          <a:graphicData uri="http://schemas.openxmlformats.org/drawingml/2006/table">
+            <a:tbl>
+              <a:tblPr firstRow="1" bandRow="1">
+                <a:tableStyleId>{21E4AEA4-8DFA-4A89-87EB-49C32662AFE0}</a:tableStyleId>
+              </a:tblPr>
+              <a:tblGrid>
+                <a:gridCol w="10126133"/>
+              </a:tblGrid>
+              <a:tr h="618594">
+                <a:tc>
+                  <a:txBody>
+                    <a:bodyPr/>
+                    <a:lstStyle/>
+                    <a:p>
+                      <a:pPr algn="ctr"/>
+                      <a:r>
+                        <a:rPr lang="en-US" dirty="0" smtClean="0"/>
+                        <a:t>Svelte</a:t>
+                      </a:r>
+                      <a:r>
+                        <a:rPr lang="en-US" baseline="0" dirty="0" smtClean="0"/>
+                        <a:t> Benefits</a:t>
+                      </a:r>
+                      <a:endParaRPr lang="en-US" dirty="0"/>
+                    </a:p>
+                  </a:txBody>
+                  <a:tcPr/>
+                </a:tc>
+              </a:tr>
+              <a:tr h="1108799">
+                <a:tc>
+                  <a:txBody>
+                    <a:bodyPr/>
+                    <a:lstStyle/>
+                    <a:p>
+                      <a:r>
+                        <a:rPr lang="en-US" sz="1400" dirty="0" smtClean="0"/>
+                        <a:t>Reactivity, the absence of a virtual DOM (resulting in faster performance), a straightforward syntax, and compilation to vanilla JavaScript—all contributing to a smaller output compared to frameworks that rely on additional runtime libraries—empower our software team to develop and deliver high-quality modern software products more rapidly.</a:t>
+                      </a:r>
+                      <a:endParaRPr lang="en-US" sz="1400" dirty="0">
+                        <a:solidFill>
+                          <a:srgbClr val="000000"/>
+                        </a:solidFill>
+                      </a:endParaRPr>
+                    </a:p>
+                  </a:txBody>
+                  <a:tcPr/>
+                </a:tc>
+              </a:tr>
+              <a:tr h="1027097">
+                <a:tc>
+                  <a:txBody>
+                    <a:bodyPr/>
+                    <a:lstStyle/>
+                    <a:p>
+                      <a:r>
+                        <a:rPr lang="en-US" sz="1400" dirty="0" smtClean="0"/>
+                        <a:t>Combining Svelte with </a:t>
+                      </a:r>
+                      <a:r>
+                        <a:rPr lang="en-US" sz="1400" dirty="0" err="1" smtClean="0"/>
+                        <a:t>WebSocket</a:t>
+                      </a:r>
+                      <a:r>
+                        <a:rPr lang="en-US" sz="1400" dirty="0" smtClean="0"/>
+                        <a:t> can significantly accelerate and improve our current project for the new VPC dashboard, enabling genuine real-time data display and processing. Furthermore, </a:t>
+                      </a:r>
+                      <a:r>
+                        <a:rPr lang="en-US" sz="1400" dirty="0" err="1" smtClean="0"/>
+                        <a:t>Svelte’s</a:t>
+                      </a:r>
+                      <a:r>
+                        <a:rPr lang="en-US" sz="1400" dirty="0" smtClean="0"/>
+                        <a:t> built-in features—such as animations, transitions, and scoped CSS—allow us to implement intricate UI effects for the dashboard without the need for external libraries.</a:t>
+                      </a:r>
+                      <a:endParaRPr lang="en-US" sz="1400" dirty="0">
+                        <a:solidFill>
+                          <a:srgbClr val="000000"/>
+                        </a:solidFill>
+                      </a:endParaRPr>
+                    </a:p>
+                  </a:txBody>
+                  <a:tcPr/>
+                </a:tc>
+              </a:tr>
+              <a:tr h="1377245">
+                <a:tc>
+                  <a:txBody>
+                    <a:bodyPr/>
+                    <a:lstStyle/>
+                    <a:p>
+                      <a:r>
+                        <a:rPr lang="en-US" sz="1400" dirty="0" smtClean="0"/>
+                        <a:t>By combining Svelte with Capacitor.js, we can rapidly develop a mobile application for both Android and </a:t>
+                      </a:r>
+                      <a:r>
+                        <a:rPr lang="en-US" sz="1400" dirty="0" err="1" smtClean="0"/>
+                        <a:t>iOS</a:t>
+                      </a:r>
+                      <a:r>
+                        <a:rPr lang="en-US" sz="1400" dirty="0" smtClean="0"/>
+                        <a:t> without needing to learn new technologies specific to each platform, such as </a:t>
+                      </a:r>
+                      <a:r>
+                        <a:rPr lang="en-US" sz="1400" dirty="0" err="1" smtClean="0"/>
+                        <a:t>Kotlin</a:t>
+                      </a:r>
+                      <a:r>
+                        <a:rPr lang="en-US" sz="1400" dirty="0" smtClean="0"/>
+                        <a:t> or Flutter. This mobile application will enable us to use free push notifications, significantly reducing our costs associated with </a:t>
+                      </a:r>
+                      <a:r>
+                        <a:rPr lang="en-US" sz="1400" dirty="0" err="1" smtClean="0"/>
+                        <a:t>Twilio</a:t>
+                      </a:r>
+                      <a:r>
+                        <a:rPr lang="en-US" sz="1400" dirty="0" smtClean="0"/>
+                        <a:t> SMS services. Additionally, we can enhance MFA security by leveraging the app's geo-location capabilities to verify the user's location before allowing login, with geo-location being one of several MFA criteria.</a:t>
+                      </a:r>
+                      <a:endParaRPr lang="en-US" sz="1400" dirty="0">
+                        <a:solidFill>
+                          <a:srgbClr val="000000"/>
+                        </a:solidFill>
+                      </a:endParaRPr>
+                    </a:p>
+                  </a:txBody>
+                  <a:tcPr/>
+                </a:tc>
+              </a:tr>
+            </a:tbl>
+          </a:graphicData>
+        </a:graphic>
+      </p:graphicFrame>
+    </p:spTree>
+    <p:extLst>
+      <p:ext uri="{BB962C8B-B14F-4D97-AF65-F5344CB8AC3E}">
+        <p14:creationId xmlns="" xmlns:p14="http://schemas.microsoft.com/office/powerpoint/2010/main" val="1960280140"/>
+      </p:ext>
+    </p:extLst>
+  </p:cSld>
+  <p:clrMapOvr>
+    <a:masterClrMapping/>
+  </p:clrMapOvr>
+  <mc:AlternateContent xmlns:mc="http://schemas.openxmlformats.org/markup-compatibility/2006">
+    <mc:Choice xmlns="" xmlns:p14="http://schemas.microsoft.com/office/powerpoint/2010/main" Requires="p14">
+      <p:transition spd="slow" p14:dur="2000" advClick="0" advTm="5000"/>
+    </mc:Choice>
+    <mc:Fallback>
+      <p:transition spd="slow" advClick="0" advTm="5000"/>
+    </mc:Fallback>
+  </mc:AlternateContent>
+</p:sld>
+</file>
+
+<file path=ppt/slides/slide9.xml><?xml version="1.0" encoding="utf-8"?>
 <p:sld xmlns:a="http://schemas.openxmlformats.org/drawingml/2006/main" xmlns:r="http://schemas.openxmlformats.org/officeDocument/2006/relationships" xmlns:p="http://schemas.openxmlformats.org/presentationml/2006/main">
   <p:cSld>
     <p:spTree>
